--- a/Презентация.pptx
+++ b/Презентация.pptx
@@ -8,8 +8,9 @@
     <p:sldId id="256" r:id="rId2"/>
     <p:sldId id="257" r:id="rId3"/>
     <p:sldId id="258" r:id="rId4"/>
-    <p:sldId id="259" r:id="rId5"/>
-    <p:sldId id="260" r:id="rId6"/>
+    <p:sldId id="261" r:id="rId5"/>
+    <p:sldId id="259" r:id="rId6"/>
+    <p:sldId id="260" r:id="rId7"/>
   </p:sldIdLst>
   <p:sldSz cx="12192000" cy="6858000"/>
   <p:notesSz cx="6858000" cy="9144000"/>
@@ -108,6 +109,11 @@
       </a:defRPr>
     </a:lvl9pPr>
   </p:defaultTextStyle>
+  <p:extLst>
+    <p:ext uri="{EFAFB233-063F-42B5-8137-9DF3F51BA10A}">
+      <p15:sldGuideLst xmlns:p15="http://schemas.microsoft.com/office/powerpoint/2012/main"/>
+    </p:ext>
+  </p:extLst>
 </p:presentation>
 </file>
 
@@ -242,7 +248,7 @@
           <a:p>
             <a:fld id="{C32D1A23-7F4D-4D71-9EE4-68AC0F3D7F7A}" type="datetimeFigureOut">
               <a:rPr lang="ru-RU" smtClean="0"/>
-              <a:t>30.12.2021</a:t>
+              <a:t>31.01.2022</a:t>
             </a:fld>
             <a:endParaRPr lang="ru-RU"/>
           </a:p>
@@ -412,7 +418,7 @@
           <a:p>
             <a:fld id="{C32D1A23-7F4D-4D71-9EE4-68AC0F3D7F7A}" type="datetimeFigureOut">
               <a:rPr lang="ru-RU" smtClean="0"/>
-              <a:t>30.12.2021</a:t>
+              <a:t>31.01.2022</a:t>
             </a:fld>
             <a:endParaRPr lang="ru-RU"/>
           </a:p>
@@ -592,7 +598,7 @@
           <a:p>
             <a:fld id="{C32D1A23-7F4D-4D71-9EE4-68AC0F3D7F7A}" type="datetimeFigureOut">
               <a:rPr lang="ru-RU" smtClean="0"/>
-              <a:t>30.12.2021</a:t>
+              <a:t>31.01.2022</a:t>
             </a:fld>
             <a:endParaRPr lang="ru-RU"/>
           </a:p>
@@ -762,7 +768,7 @@
           <a:p>
             <a:fld id="{C32D1A23-7F4D-4D71-9EE4-68AC0F3D7F7A}" type="datetimeFigureOut">
               <a:rPr lang="ru-RU" smtClean="0"/>
-              <a:t>30.12.2021</a:t>
+              <a:t>31.01.2022</a:t>
             </a:fld>
             <a:endParaRPr lang="ru-RU"/>
           </a:p>
@@ -1008,7 +1014,7 @@
           <a:p>
             <a:fld id="{C32D1A23-7F4D-4D71-9EE4-68AC0F3D7F7A}" type="datetimeFigureOut">
               <a:rPr lang="ru-RU" smtClean="0"/>
-              <a:t>30.12.2021</a:t>
+              <a:t>31.01.2022</a:t>
             </a:fld>
             <a:endParaRPr lang="ru-RU"/>
           </a:p>
@@ -1240,7 +1246,7 @@
           <a:p>
             <a:fld id="{C32D1A23-7F4D-4D71-9EE4-68AC0F3D7F7A}" type="datetimeFigureOut">
               <a:rPr lang="ru-RU" smtClean="0"/>
-              <a:t>30.12.2021</a:t>
+              <a:t>31.01.2022</a:t>
             </a:fld>
             <a:endParaRPr lang="ru-RU"/>
           </a:p>
@@ -1607,7 +1613,7 @@
           <a:p>
             <a:fld id="{C32D1A23-7F4D-4D71-9EE4-68AC0F3D7F7A}" type="datetimeFigureOut">
               <a:rPr lang="ru-RU" smtClean="0"/>
-              <a:t>30.12.2021</a:t>
+              <a:t>31.01.2022</a:t>
             </a:fld>
             <a:endParaRPr lang="ru-RU"/>
           </a:p>
@@ -1725,7 +1731,7 @@
           <a:p>
             <a:fld id="{C32D1A23-7F4D-4D71-9EE4-68AC0F3D7F7A}" type="datetimeFigureOut">
               <a:rPr lang="ru-RU" smtClean="0"/>
-              <a:t>30.12.2021</a:t>
+              <a:t>31.01.2022</a:t>
             </a:fld>
             <a:endParaRPr lang="ru-RU"/>
           </a:p>
@@ -1820,7 +1826,7 @@
           <a:p>
             <a:fld id="{C32D1A23-7F4D-4D71-9EE4-68AC0F3D7F7A}" type="datetimeFigureOut">
               <a:rPr lang="ru-RU" smtClean="0"/>
-              <a:t>30.12.2021</a:t>
+              <a:t>31.01.2022</a:t>
             </a:fld>
             <a:endParaRPr lang="ru-RU"/>
           </a:p>
@@ -2097,7 +2103,7 @@
           <a:p>
             <a:fld id="{C32D1A23-7F4D-4D71-9EE4-68AC0F3D7F7A}" type="datetimeFigureOut">
               <a:rPr lang="ru-RU" smtClean="0"/>
-              <a:t>30.12.2021</a:t>
+              <a:t>31.01.2022</a:t>
             </a:fld>
             <a:endParaRPr lang="ru-RU"/>
           </a:p>
@@ -2350,7 +2356,7 @@
           <a:p>
             <a:fld id="{C32D1A23-7F4D-4D71-9EE4-68AC0F3D7F7A}" type="datetimeFigureOut">
               <a:rPr lang="ru-RU" smtClean="0"/>
-              <a:t>30.12.2021</a:t>
+              <a:t>31.01.2022</a:t>
             </a:fld>
             <a:endParaRPr lang="ru-RU"/>
           </a:p>
@@ -2563,7 +2569,7 @@
           <a:p>
             <a:fld id="{C32D1A23-7F4D-4D71-9EE4-68AC0F3D7F7A}" type="datetimeFigureOut">
               <a:rPr lang="ru-RU" smtClean="0"/>
-              <a:t>30.12.2021</a:t>
+              <a:t>31.01.2022</a:t>
             </a:fld>
             <a:endParaRPr lang="ru-RU"/>
           </a:p>
@@ -3113,18 +3119,17 @@
               <a:t>пустыни</a:t>
             </a:r>
             <a:r>
+              <a:rPr lang="ru-RU" dirty="0" smtClean="0"/>
+              <a:t>!</a:t>
+            </a:r>
+          </a:p>
+          <a:p>
+            <a:pPr lvl="0"/>
+            <a:r>
               <a:rPr lang="ru-RU" dirty="0"/>
-              <a:t>!</a:t>
+              <a:t>Буря перемещается и «смешивает» клетки Пустыни, и засыпает их песком (песчаными маркерами), мешая этим находить детали легендарного аппарата и не давая перемещаться (блокируя клетки). Ещё есть Солнце, которое иногда начинает очень сильно гореть и из-за этого будет уменьшаться запас воды у игроков. Так ещё со временем они будут всё чаще и чаще.</a:t>
             </a:r>
             <a:endParaRPr lang="ru-RU" dirty="0" smtClean="0"/>
-          </a:p>
-          <a:p>
-            <a:pPr lvl="0"/>
-            <a:r>
-              <a:rPr lang="ru-RU" dirty="0" smtClean="0"/>
-              <a:t>По пути можно найти древние снаряжения, которое будет помогать в трудные минуты!</a:t>
-            </a:r>
-            <a:endParaRPr lang="ru-RU" dirty="0"/>
           </a:p>
         </p:txBody>
       </p:sp>
@@ -3321,7 +3326,7 @@
           <a:p>
             <a:r>
               <a:rPr lang="ru-RU" dirty="0" smtClean="0"/>
-              <a:t>Окна:</a:t>
+              <a:t>Отношения Классов</a:t>
             </a:r>
             <a:endParaRPr lang="ru-RU" dirty="0"/>
           </a:p>
@@ -3329,11 +3334,13 @@
       </p:sp>
       <p:pic>
         <p:nvPicPr>
-          <p:cNvPr id="4" name="Объект 3"/>
+          <p:cNvPr id="23" name="Объект 22"/>
           <p:cNvPicPr>
-            <a:picLocks/>
+            <a:picLocks noGrp="1" noChangeAspect="1"/>
           </p:cNvPicPr>
-          <p:nvPr/>
+          <p:nvPr>
+            <p:ph idx="1"/>
+          </p:nvPr>
         </p:nvPicPr>
         <p:blipFill>
           <a:blip r:embed="rId2"/>
@@ -3343,8 +3350,8 @@
         </p:blipFill>
         <p:spPr>
           <a:xfrm>
-            <a:off x="3629383" y="1971778"/>
-            <a:ext cx="4933234" cy="3771611"/>
+            <a:off x="6059055" y="0"/>
+            <a:ext cx="5791200" cy="6660930"/>
           </a:xfrm>
           <a:prstGeom prst="rect">
             <a:avLst/>
@@ -3353,29 +3360,48 @@
       </p:pic>
       <p:sp>
         <p:nvSpPr>
-          <p:cNvPr id="5" name="Прямоугольник 4"/>
+          <p:cNvPr id="25" name="Прямоугольник 24"/>
           <p:cNvSpPr/>
           <p:nvPr/>
         </p:nvSpPr>
         <p:spPr>
           <a:xfrm>
-            <a:off x="3831030" y="6024479"/>
-            <a:ext cx="4419416" cy="369332"/>
+            <a:off x="838200" y="2139062"/>
+            <a:ext cx="5036127" cy="1200329"/>
           </a:xfrm>
           <a:prstGeom prst="rect">
             <a:avLst/>
           </a:prstGeom>
         </p:spPr>
         <p:txBody>
-          <a:bodyPr wrap="none">
+          <a:bodyPr wrap="square">
             <a:spAutoFit/>
           </a:bodyPr>
           <a:lstStyle/>
           <a:p>
-            <a:pPr algn="ctr"/>
             <a:r>
               <a:rPr lang="ru-RU" dirty="0" smtClean="0"/>
-              <a:t>Игра (пока что на геометрических фигурах)</a:t>
+              <a:t>Вообще классов 10, но, поскольку классы игроков в основном схожи, был написан </a:t>
+            </a:r>
+            <a:r>
+              <a:rPr lang="ru-RU" dirty="0"/>
+              <a:t>общий класс игроков </a:t>
+            </a:r>
+            <a:r>
+              <a:rPr lang="en-US" dirty="0" smtClean="0"/>
+              <a:t>Player</a:t>
+            </a:r>
+            <a:r>
+              <a:rPr lang="ru-RU" dirty="0" smtClean="0"/>
+              <a:t> (иначе вообще </a:t>
+            </a:r>
+            <a:r>
+              <a:rPr lang="ru-RU" dirty="0"/>
+              <a:t>ничего не было бы </a:t>
+            </a:r>
+            <a:r>
+              <a:rPr lang="ru-RU" dirty="0" smtClean="0"/>
+              <a:t>видно) </a:t>
             </a:r>
             <a:endParaRPr lang="ru-RU" dirty="0"/>
           </a:p>
@@ -3384,7 +3410,7 @@
     </p:spTree>
     <p:extLst>
       <p:ext uri="{BB962C8B-B14F-4D97-AF65-F5344CB8AC3E}">
-        <p14:creationId xmlns:p14="http://schemas.microsoft.com/office/powerpoint/2010/main" val="4118664953"/>
+        <p14:creationId xmlns:p14="http://schemas.microsoft.com/office/powerpoint/2010/main" val="3615129653"/>
       </p:ext>
     </p:extLst>
   </p:cSld>
@@ -3427,6 +3453,141 @@
           <a:lstStyle/>
           <a:p>
             <a:r>
+              <a:rPr lang="ru-RU" smtClean="0"/>
+              <a:t>Окно:</a:t>
+            </a:r>
+            <a:endParaRPr lang="ru-RU" dirty="0"/>
+          </a:p>
+        </p:txBody>
+      </p:sp>
+      <p:pic>
+        <p:nvPicPr>
+          <p:cNvPr id="4" name="Объект 3"/>
+          <p:cNvPicPr>
+            <a:picLocks/>
+          </p:cNvPicPr>
+          <p:nvPr/>
+        </p:nvPicPr>
+        <p:blipFill>
+          <a:blip r:embed="rId2"/>
+          <a:stretch>
+            <a:fillRect/>
+          </a:stretch>
+        </p:blipFill>
+        <p:spPr>
+          <a:xfrm>
+            <a:off x="3629383" y="1944069"/>
+            <a:ext cx="4933234" cy="3771611"/>
+          </a:xfrm>
+          <a:prstGeom prst="rect">
+            <a:avLst/>
+          </a:prstGeom>
+        </p:spPr>
+      </p:pic>
+      <p:sp>
+        <p:nvSpPr>
+          <p:cNvPr id="5" name="Прямоугольник 4"/>
+          <p:cNvSpPr/>
+          <p:nvPr/>
+        </p:nvSpPr>
+        <p:spPr>
+          <a:xfrm>
+            <a:off x="4762442" y="6024479"/>
+            <a:ext cx="2556598" cy="369332"/>
+          </a:xfrm>
+          <a:prstGeom prst="rect">
+            <a:avLst/>
+          </a:prstGeom>
+        </p:spPr>
+        <p:txBody>
+          <a:bodyPr wrap="none">
+            <a:spAutoFit/>
+          </a:bodyPr>
+          <a:lstStyle/>
+          <a:p>
+            <a:pPr algn="ctr"/>
+            <a:r>
+              <a:rPr lang="ru-RU" dirty="0" smtClean="0"/>
+              <a:t>Игра </a:t>
+            </a:r>
+            <a:r>
+              <a:rPr lang="ru-RU" dirty="0" smtClean="0"/>
+              <a:t>(только окно игры)</a:t>
+            </a:r>
+            <a:endParaRPr lang="ru-RU" dirty="0"/>
+          </a:p>
+        </p:txBody>
+      </p:sp>
+      <p:pic>
+        <p:nvPicPr>
+          <p:cNvPr id="3" name="Рисунок 2"/>
+          <p:cNvPicPr>
+            <a:picLocks noChangeAspect="1"/>
+          </p:cNvPicPr>
+          <p:nvPr/>
+        </p:nvPicPr>
+        <p:blipFill>
+          <a:blip r:embed="rId3"/>
+          <a:stretch>
+            <a:fillRect/>
+          </a:stretch>
+        </p:blipFill>
+        <p:spPr>
+          <a:xfrm>
+            <a:off x="2919807" y="1834933"/>
+            <a:ext cx="6241862" cy="3989881"/>
+          </a:xfrm>
+          <a:prstGeom prst="rect">
+            <a:avLst/>
+          </a:prstGeom>
+        </p:spPr>
+      </p:pic>
+    </p:spTree>
+    <p:extLst>
+      <p:ext uri="{BB962C8B-B14F-4D97-AF65-F5344CB8AC3E}">
+        <p14:creationId xmlns:p14="http://schemas.microsoft.com/office/powerpoint/2010/main" val="4118664953"/>
+      </p:ext>
+    </p:extLst>
+  </p:cSld>
+  <p:clrMapOvr>
+    <a:masterClrMapping/>
+  </p:clrMapOvr>
+</p:sld>
+</file>
+
+<file path=ppt/slides/slide6.xml><?xml version="1.0" encoding="utf-8"?>
+<p:sld xmlns:a="http://schemas.openxmlformats.org/drawingml/2006/main" xmlns:r="http://schemas.openxmlformats.org/officeDocument/2006/relationships" xmlns:p="http://schemas.openxmlformats.org/presentationml/2006/main">
+  <p:cSld>
+    <p:spTree>
+      <p:nvGrpSpPr>
+        <p:cNvPr id="1" name=""/>
+        <p:cNvGrpSpPr/>
+        <p:nvPr/>
+      </p:nvGrpSpPr>
+      <p:grpSpPr>
+        <a:xfrm>
+          <a:off x="0" y="0"/>
+          <a:ext cx="0" cy="0"/>
+          <a:chOff x="0" y="0"/>
+          <a:chExt cx="0" cy="0"/>
+        </a:xfrm>
+      </p:grpSpPr>
+      <p:sp>
+        <p:nvSpPr>
+          <p:cNvPr id="2" name="Заголовок 1"/>
+          <p:cNvSpPr>
+            <a:spLocks noGrp="1"/>
+          </p:cNvSpPr>
+          <p:nvPr>
+            <p:ph type="title"/>
+          </p:nvPr>
+        </p:nvSpPr>
+        <p:spPr/>
+        <p:txBody>
+          <a:bodyPr/>
+          <a:lstStyle/>
+          <a:p>
+            <a:r>
               <a:rPr lang="ru-RU" dirty="0" smtClean="0"/>
               <a:t>Итог</a:t>
             </a:r>
@@ -3451,8 +3612,19 @@
           <a:p>
             <a:r>
               <a:rPr lang="ru-RU" dirty="0" smtClean="0"/>
-              <a:t>Тактическая игра на выживание</a:t>
-            </a:r>
+              <a:t>Тактическая игра на </a:t>
+            </a:r>
+            <a:r>
+              <a:rPr lang="ru-RU" dirty="0" smtClean="0"/>
+              <a:t>выживание</a:t>
+            </a:r>
+          </a:p>
+          <a:p>
+            <a:r>
+              <a:rPr lang="ru-RU" dirty="0" smtClean="0"/>
+              <a:t>(я пока что не сделал окно победы, проигрыша и меню)</a:t>
+            </a:r>
+            <a:endParaRPr lang="ru-RU" dirty="0" smtClean="0"/>
           </a:p>
           <a:p>
             <a:r>
